--- a/PresentationSlides.pptx
+++ b/PresentationSlides.pptx
@@ -5,7 +5,7 @@
     <p:sldMasterId id="2147483659" r:id="rId1"/>
   </p:sldMasterIdLst>
   <p:notesMasterIdLst>
-    <p:notesMasterId r:id="rId10"/>
+    <p:notesMasterId r:id="rId11"/>
   </p:notesMasterIdLst>
   <p:sldIdLst>
     <p:sldId id="256" r:id="rId2"/>
@@ -14,20 +14,21 @@
     <p:sldId id="259" r:id="rId5"/>
     <p:sldId id="260" r:id="rId6"/>
     <p:sldId id="263" r:id="rId7"/>
-    <p:sldId id="261" r:id="rId8"/>
-    <p:sldId id="262" r:id="rId9"/>
+    <p:sldId id="264" r:id="rId8"/>
+    <p:sldId id="261" r:id="rId9"/>
+    <p:sldId id="262" r:id="rId10"/>
   </p:sldIdLst>
   <p:sldSz cx="9144000" cy="5143500" type="screen16x9"/>
   <p:notesSz cx="6858000" cy="9144000"/>
   <p:embeddedFontLst>
     <p:embeddedFont>
       <p:font typeface="Average" panose="02000503040000020003" pitchFamily="2" charset="77"/>
-      <p:regular r:id="rId11"/>
+      <p:regular r:id="rId12"/>
     </p:embeddedFont>
     <p:embeddedFont>
       <p:font typeface="Oswald" pitchFamily="2" charset="77"/>
-      <p:regular r:id="rId12"/>
-      <p:bold r:id="rId13"/>
+      <p:regular r:id="rId13"/>
+      <p:bold r:id="rId14"/>
     </p:embeddedFont>
   </p:embeddedFontLst>
   <p:defaultTextStyle>
@@ -1020,10 +1021,10 @@
               <a:buNone/>
             </a:pPr>
             <a:r>
-              <a:rPr lang="en"/>
-              <a:t>Research question: “How have surges in COVID-19 cases in the US impacted real estate sale price trends in/around urban cities in 2020 compared to the comparable monthly trends from 2019?</a:t>
+              <a:rPr lang="en" dirty="0"/>
+              <a:t>Research question: How have surges in COVID-19 cases in the US impacted real estate sale price trends in/around urban cities in 2020?</a:t>
             </a:r>
-            <a:endParaRPr/>
+            <a:endParaRPr dirty="0"/>
           </a:p>
         </p:txBody>
       </p:sp>
@@ -1064,8 +1065,8 @@
         </p:nvSpPr>
         <p:spPr>
           <a:xfrm>
-            <a:off x="381188" y="685800"/>
-            <a:ext cx="6096300" cy="3429000"/>
+            <a:off x="381000" y="685800"/>
+            <a:ext cx="6096000" cy="3429000"/>
           </a:xfrm>
           <a:custGeom>
             <a:avLst/>
@@ -1168,8 +1169,8 @@
         </p:nvSpPr>
         <p:spPr>
           <a:xfrm>
-            <a:off x="381188" y="685800"/>
-            <a:ext cx="6096300" cy="3429000"/>
+            <a:off x="381000" y="685800"/>
+            <a:ext cx="6096000" cy="3429000"/>
           </a:xfrm>
           <a:custGeom>
             <a:avLst/>
@@ -1352,6 +1353,115 @@
   <p:cSld>
     <p:spTree>
       <p:nvGrpSpPr>
+        <p:cNvPr id="1" name="Shape 172"/>
+        <p:cNvGrpSpPr/>
+        <p:nvPr/>
+      </p:nvGrpSpPr>
+      <p:grpSpPr>
+        <a:xfrm>
+          <a:off x="0" y="0"/>
+          <a:ext cx="0" cy="0"/>
+          <a:chOff x="0" y="0"/>
+          <a:chExt cx="0" cy="0"/>
+        </a:xfrm>
+      </p:grpSpPr>
+      <p:sp>
+        <p:nvSpPr>
+          <p:cNvPr id="173" name="Google Shape;173;gc6f980f91_0_105:notes"/>
+          <p:cNvSpPr>
+            <a:spLocks noGrp="1" noRot="1" noChangeAspect="1"/>
+          </p:cNvSpPr>
+          <p:nvPr>
+            <p:ph type="sldImg" idx="2"/>
+          </p:nvPr>
+        </p:nvSpPr>
+        <p:spPr>
+          <a:xfrm>
+            <a:off x="381000" y="685800"/>
+            <a:ext cx="6096000" cy="3429000"/>
+          </a:xfrm>
+          <a:custGeom>
+            <a:avLst/>
+            <a:gdLst/>
+            <a:ahLst/>
+            <a:cxnLst/>
+            <a:rect l="l" t="t" r="r" b="b"/>
+            <a:pathLst>
+              <a:path w="120000" h="120000" extrusionOk="0">
+                <a:moveTo>
+                  <a:pt x="0" y="0"/>
+                </a:moveTo>
+                <a:lnTo>
+                  <a:pt x="120000" y="0"/>
+                </a:lnTo>
+                <a:lnTo>
+                  <a:pt x="120000" y="120000"/>
+                </a:lnTo>
+                <a:lnTo>
+                  <a:pt x="0" y="120000"/>
+                </a:lnTo>
+                <a:close/>
+              </a:path>
+            </a:pathLst>
+          </a:custGeom>
+        </p:spPr>
+      </p:sp>
+      <p:sp>
+        <p:nvSpPr>
+          <p:cNvPr id="174" name="Google Shape;174;gc6f980f91_0_105:notes"/>
+          <p:cNvSpPr txBox="1">
+            <a:spLocks noGrp="1"/>
+          </p:cNvSpPr>
+          <p:nvPr>
+            <p:ph type="body" idx="1"/>
+          </p:nvPr>
+        </p:nvSpPr>
+        <p:spPr>
+          <a:xfrm>
+            <a:off x="685800" y="4343400"/>
+            <a:ext cx="5486400" cy="4114800"/>
+          </a:xfrm>
+          <a:prstGeom prst="rect">
+            <a:avLst/>
+          </a:prstGeom>
+        </p:spPr>
+        <p:txBody>
+          <a:bodyPr spcFirstLastPara="1" wrap="square" lIns="91425" tIns="91425" rIns="91425" bIns="91425" anchor="t" anchorCtr="0">
+            <a:noAutofit/>
+          </a:bodyPr>
+          <a:lstStyle/>
+          <a:p>
+            <a:pPr marL="0" lvl="0" indent="0" algn="l" rtl="0">
+              <a:spcBef>
+                <a:spcPts val="0"/>
+              </a:spcBef>
+              <a:spcAft>
+                <a:spcPts val="0"/>
+              </a:spcAft>
+              <a:buNone/>
+            </a:pPr>
+            <a:endParaRPr/>
+          </a:p>
+        </p:txBody>
+      </p:sp>
+    </p:spTree>
+    <p:extLst>
+      <p:ext uri="{BB962C8B-B14F-4D97-AF65-F5344CB8AC3E}">
+        <p14:creationId xmlns:p14="http://schemas.microsoft.com/office/powerpoint/2010/main" val="1356551874"/>
+      </p:ext>
+    </p:extLst>
+  </p:cSld>
+  <p:clrMapOvr>
+    <a:masterClrMapping/>
+  </p:clrMapOvr>
+</p:notes>
+</file>
+
+<file path=ppt/notesSlides/notesSlide8.xml><?xml version="1.0" encoding="utf-8"?>
+<p:notes xmlns:a="http://schemas.openxmlformats.org/drawingml/2006/main" xmlns:r="http://schemas.openxmlformats.org/officeDocument/2006/relationships" xmlns:p="http://schemas.openxmlformats.org/presentationml/2006/main" showMasterSp="0" showMasterPhAnim="0">
+  <p:cSld>
+    <p:spTree>
+      <p:nvGrpSpPr>
         <p:cNvPr id="1" name="Shape 113"/>
         <p:cNvGrpSpPr/>
         <p:nvPr/>
@@ -1451,7 +1561,7 @@
 </p:notes>
 </file>
 
-<file path=ppt/notesSlides/notesSlide8.xml><?xml version="1.0" encoding="utf-8"?>
+<file path=ppt/notesSlides/notesSlide9.xml><?xml version="1.0" encoding="utf-8"?>
 <p:notes xmlns:a="http://schemas.openxmlformats.org/drawingml/2006/main" xmlns:r="http://schemas.openxmlformats.org/officeDocument/2006/relationships" xmlns:p="http://schemas.openxmlformats.org/presentationml/2006/main" showMasterSp="0" showMasterPhAnim="0">
   <p:cSld>
     <p:spTree>
@@ -7978,10 +8088,10 @@
               <a:buNone/>
             </a:pPr>
             <a:r>
-              <a:rPr lang="en"/>
-              <a:t>Overview</a:t>
+              <a:rPr lang="en" dirty="0"/>
+              <a:t>Background &amp; Overview</a:t>
             </a:r>
-            <a:endParaRPr/>
+            <a:endParaRPr dirty="0"/>
           </a:p>
         </p:txBody>
       </p:sp>
@@ -8147,8 +8257,8 @@
         </p:nvSpPr>
         <p:spPr>
           <a:xfrm>
-            <a:off x="3060250" y="3299575"/>
-            <a:ext cx="6012000" cy="1621200"/>
+            <a:off x="3060250" y="3590913"/>
+            <a:ext cx="6012000" cy="1329862"/>
           </a:xfrm>
           <a:prstGeom prst="rect">
             <a:avLst/>
@@ -8177,7 +8287,7 @@
               <a:buNone/>
             </a:pPr>
             <a:r>
-              <a:rPr lang="en" sz="1800">
+              <a:rPr lang="en" sz="1800" dirty="0">
                 <a:solidFill>
                   <a:schemeClr val="accent3"/>
                 </a:solidFill>
@@ -8186,9 +8296,9 @@
                 <a:cs typeface="Average"/>
                 <a:sym typeface="Average"/>
               </a:rPr>
-              <a:t>This analysis will look to determine how surges in COVID-19 cases in the US have impacted real estate sale price trends in/around urban cities in 2020 compared to the comparable data from 2019. </a:t>
+              <a:t>This analysis will look to determine how surges in COVID-19 cases in the US have impacted real estate sale price trends in/around urban cities in 2020.</a:t>
             </a:r>
-            <a:endParaRPr>
+            <a:endParaRPr dirty="0">
               <a:latin typeface="Average"/>
               <a:ea typeface="Average"/>
               <a:cs typeface="Average"/>
@@ -8278,7 +8388,7 @@
           </a:bodyPr>
           <a:lstStyle/>
           <a:p>
-            <a:pPr marL="0" lvl="0" indent="0" algn="l" rtl="0">
+            <a:pPr marL="0" lvl="0" indent="0" algn="ctr" rtl="0">
               <a:spcBef>
                 <a:spcPts val="0"/>
               </a:spcBef>
@@ -8288,10 +8398,10 @@
               <a:buNone/>
             </a:pPr>
             <a:r>
-              <a:rPr lang="en"/>
+              <a:rPr lang="en" dirty="0"/>
               <a:t>Understanding the data</a:t>
             </a:r>
-            <a:endParaRPr/>
+            <a:endParaRPr dirty="0"/>
           </a:p>
         </p:txBody>
       </p:sp>
@@ -8303,8 +8413,8 @@
         </p:nvGrpSpPr>
         <p:grpSpPr>
           <a:xfrm>
-            <a:off x="1422525" y="1304875"/>
-            <a:ext cx="2628925" cy="3416400"/>
+            <a:off x="977750" y="1304875"/>
+            <a:ext cx="3441850" cy="3416400"/>
             <a:chOff x="431925" y="1304875"/>
             <a:chExt cx="2628925" cy="3416400"/>
           </a:xfrm>
@@ -8406,7 +8516,7 @@
         </p:nvSpPr>
         <p:spPr>
           <a:xfrm>
-            <a:off x="1497025" y="1304875"/>
+            <a:off x="1371600" y="1304875"/>
             <a:ext cx="2494500" cy="461400"/>
           </a:xfrm>
           <a:prstGeom prst="rect">
@@ -8419,7 +8529,7 @@
           </a:bodyPr>
           <a:lstStyle/>
           <a:p>
-            <a:pPr marL="0" lvl="0" indent="0" algn="l" rtl="0">
+            <a:pPr marL="0" lvl="0" indent="0" algn="ctr" rtl="0">
               <a:spcBef>
                 <a:spcPts val="0"/>
               </a:spcBef>
@@ -8429,14 +8539,14 @@
               <a:buNone/>
             </a:pPr>
             <a:r>
-              <a:rPr lang="en">
+              <a:rPr lang="en" dirty="0">
                 <a:solidFill>
                   <a:schemeClr val="lt1"/>
                 </a:solidFill>
               </a:rPr>
               <a:t>Real Estate</a:t>
             </a:r>
-            <a:endParaRPr>
+            <a:endParaRPr dirty="0">
               <a:solidFill>
                 <a:schemeClr val="lt1"/>
               </a:solidFill>
@@ -8456,8 +8566,8 @@
         </p:nvSpPr>
         <p:spPr>
           <a:xfrm>
-            <a:off x="1498925" y="1850300"/>
-            <a:ext cx="2478600" cy="2794800"/>
+            <a:off x="1051675" y="1850300"/>
+            <a:ext cx="3291725" cy="2794800"/>
           </a:xfrm>
           <a:prstGeom prst="rect">
             <a:avLst/>
@@ -8479,10 +8589,10 @@
               <a:buNone/>
             </a:pPr>
             <a:r>
-              <a:rPr lang="en" sz="1600"/>
+              <a:rPr lang="en" sz="1600" dirty="0"/>
               <a:t>Zillow dataset</a:t>
             </a:r>
-            <a:endParaRPr sz="1600"/>
+            <a:endParaRPr sz="1600" dirty="0"/>
           </a:p>
           <a:p>
             <a:pPr marL="0" lvl="0" indent="0" algn="l" rtl="0">
@@ -8495,10 +8605,10 @@
               <a:buNone/>
             </a:pPr>
             <a:r>
-              <a:rPr lang="en" sz="1600"/>
-              <a:t># datapoints</a:t>
+              <a:rPr lang="en" sz="1600" dirty="0"/>
+              <a:t>3,000+ datapoints</a:t>
             </a:r>
-            <a:endParaRPr sz="1600"/>
+            <a:endParaRPr sz="1600" dirty="0"/>
           </a:p>
           <a:p>
             <a:pPr marL="457200" lvl="0" indent="-330200" algn="l" rtl="0">
@@ -8512,10 +8622,10 @@
               <a:buChar char="●"/>
             </a:pPr>
             <a:r>
-              <a:rPr lang="en" sz="1600"/>
-              <a:t>County/State</a:t>
+              <a:rPr lang="en" sz="1600" dirty="0"/>
+              <a:t>City/State</a:t>
             </a:r>
-            <a:endParaRPr sz="1600"/>
+            <a:endParaRPr sz="1600" dirty="0"/>
           </a:p>
           <a:p>
             <a:pPr marL="457200" lvl="0" indent="-330200" algn="l" rtl="0">
@@ -8529,10 +8639,10 @@
               <a:buChar char="●"/>
             </a:pPr>
             <a:r>
-              <a:rPr lang="en" sz="1600"/>
+              <a:rPr lang="en" sz="1600" dirty="0"/>
               <a:t>Sale Price</a:t>
             </a:r>
-            <a:endParaRPr sz="1600"/>
+            <a:endParaRPr sz="1600" dirty="0"/>
           </a:p>
           <a:p>
             <a:pPr marL="457200" lvl="0" indent="-330200" algn="l" rtl="0">
@@ -8546,10 +8656,10 @@
               <a:buChar char="●"/>
             </a:pPr>
             <a:r>
-              <a:rPr lang="en" sz="1600"/>
+              <a:rPr lang="en" sz="1600" dirty="0"/>
               <a:t>Month/Year</a:t>
             </a:r>
-            <a:endParaRPr sz="1600"/>
+            <a:endParaRPr sz="1600" dirty="0"/>
           </a:p>
           <a:p>
             <a:pPr marL="914400" lvl="1" indent="-330200" algn="l" rtl="0">
@@ -8563,27 +8673,10 @@
               <a:buChar char="○"/>
             </a:pPr>
             <a:r>
-              <a:rPr lang="en" sz="1600"/>
-              <a:t>2019</a:t>
+              <a:rPr lang="en" sz="1600" dirty="0"/>
+              <a:t>2018-2020</a:t>
             </a:r>
-            <a:endParaRPr sz="1600"/>
-          </a:p>
-          <a:p>
-            <a:pPr marL="914400" lvl="1" indent="-330200" algn="l" rtl="0">
-              <a:spcBef>
-                <a:spcPts val="0"/>
-              </a:spcBef>
-              <a:spcAft>
-                <a:spcPts val="0"/>
-              </a:spcAft>
-              <a:buSzPts val="1600"/>
-              <a:buChar char="○"/>
-            </a:pPr>
-            <a:r>
-              <a:rPr lang="en" sz="1600"/>
-              <a:t>2020</a:t>
-            </a:r>
-            <a:endParaRPr sz="1600"/>
+            <a:endParaRPr sz="1600" dirty="0"/>
           </a:p>
         </p:txBody>
       </p:sp>
@@ -8595,8 +8688,8 @@
         </p:nvGrpSpPr>
         <p:grpSpPr>
           <a:xfrm>
-            <a:off x="5301650" y="1304875"/>
-            <a:ext cx="2632500" cy="3416400"/>
+            <a:off x="4953000" y="1304875"/>
+            <a:ext cx="3441817" cy="3416400"/>
             <a:chOff x="3320450" y="1304875"/>
             <a:chExt cx="2632500" cy="3416400"/>
           </a:xfrm>
@@ -8711,7 +8804,7 @@
           </a:bodyPr>
           <a:lstStyle/>
           <a:p>
-            <a:pPr marL="0" lvl="0" indent="0" algn="l" rtl="0">
+            <a:pPr marL="0" lvl="0" indent="0" algn="ctr" rtl="0">
               <a:spcBef>
                 <a:spcPts val="0"/>
               </a:spcBef>
@@ -8721,14 +8814,14 @@
               <a:buNone/>
             </a:pPr>
             <a:r>
-              <a:rPr lang="en">
+              <a:rPr lang="en" dirty="0">
                 <a:solidFill>
                   <a:schemeClr val="lt1"/>
                 </a:solidFill>
               </a:rPr>
               <a:t>COVID-19</a:t>
             </a:r>
-            <a:endParaRPr>
+            <a:endParaRPr dirty="0">
               <a:solidFill>
                 <a:schemeClr val="lt1"/>
               </a:solidFill>
@@ -8748,8 +8841,8 @@
         </p:nvSpPr>
         <p:spPr>
           <a:xfrm>
-            <a:off x="5377975" y="1850300"/>
-            <a:ext cx="2478600" cy="2794800"/>
+            <a:off x="5021216" y="1850300"/>
+            <a:ext cx="3360784" cy="2794800"/>
           </a:xfrm>
           <a:prstGeom prst="rect">
             <a:avLst/>
@@ -8771,10 +8864,22 @@
               <a:buNone/>
             </a:pPr>
             <a:r>
-              <a:rPr lang="en" sz="1600"/>
-              <a:t>Source</a:t>
+              <a:rPr lang="en-US" sz="1600" dirty="0"/>
+              <a:t>John Hopkins University </a:t>
             </a:r>
-            <a:endParaRPr sz="1600"/>
+            <a:r>
+              <a:rPr lang="en" sz="1600" dirty="0"/>
+              <a:t>dataset (available on </a:t>
+            </a:r>
+            <a:r>
+              <a:rPr lang="en" sz="1600" dirty="0" err="1"/>
+              <a:t>Kaggle.com</a:t>
+            </a:r>
+            <a:r>
+              <a:rPr lang="en" sz="1600" dirty="0"/>
+              <a:t>)</a:t>
+            </a:r>
+            <a:endParaRPr sz="1600" dirty="0"/>
           </a:p>
           <a:p>
             <a:pPr marL="0" lvl="0" indent="0" algn="l" rtl="0">
@@ -8787,10 +8892,10 @@
               <a:buNone/>
             </a:pPr>
             <a:r>
-              <a:rPr lang="en" sz="1600"/>
-              <a:t># datapoints</a:t>
+              <a:rPr lang="en" sz="1600" dirty="0"/>
+              <a:t>3,000+ datapoints</a:t>
             </a:r>
-            <a:endParaRPr sz="1600"/>
+            <a:endParaRPr sz="1600" dirty="0"/>
           </a:p>
           <a:p>
             <a:pPr marL="457200" lvl="0" indent="-330200" algn="l" rtl="0">
@@ -8804,10 +8909,10 @@
               <a:buChar char="●"/>
             </a:pPr>
             <a:r>
-              <a:rPr lang="en" sz="1600"/>
+              <a:rPr lang="en" sz="1600" dirty="0"/>
               <a:t>County/State</a:t>
             </a:r>
-            <a:endParaRPr sz="1600"/>
+            <a:endParaRPr sz="1600" dirty="0"/>
           </a:p>
           <a:p>
             <a:pPr marL="457200" lvl="0" indent="-330200" algn="l" rtl="0">
@@ -8821,10 +8926,10 @@
               <a:buChar char="●"/>
             </a:pPr>
             <a:r>
-              <a:rPr lang="en" sz="1600"/>
+              <a:rPr lang="en" sz="1600" dirty="0"/>
               <a:t>Daily confirmed cases</a:t>
             </a:r>
-            <a:endParaRPr sz="1600"/>
+            <a:endParaRPr sz="1600" dirty="0"/>
           </a:p>
           <a:p>
             <a:pPr marL="457200" lvl="0" indent="-330200" algn="l" rtl="0">
@@ -8838,10 +8943,10 @@
               <a:buChar char="●"/>
             </a:pPr>
             <a:r>
-              <a:rPr lang="en" sz="1600"/>
+              <a:rPr lang="en" sz="1600" dirty="0"/>
               <a:t>1/22/20-12/7/20</a:t>
             </a:r>
-            <a:endParaRPr sz="1600"/>
+            <a:endParaRPr sz="1600" dirty="0"/>
           </a:p>
         </p:txBody>
       </p:sp>
@@ -8948,10 +9053,10 @@
               <a:buChar char="●"/>
             </a:pPr>
             <a:r>
-              <a:rPr lang="en"/>
-              <a:t>Pandas </a:t>
+              <a:rPr lang="en" dirty="0"/>
+              <a:t>Pandas - ETL</a:t>
             </a:r>
-            <a:endParaRPr/>
+            <a:endParaRPr dirty="0"/>
           </a:p>
           <a:p>
             <a:pPr marL="457200" lvl="0" indent="-342900" algn="l" rtl="0">
@@ -8965,10 +9070,10 @@
               <a:buChar char="●"/>
             </a:pPr>
             <a:r>
-              <a:rPr lang="en"/>
-              <a:t>Database(s)</a:t>
+              <a:rPr lang="en" dirty="0"/>
+              <a:t>Database(s) - SQL</a:t>
             </a:r>
-            <a:endParaRPr/>
+            <a:endParaRPr dirty="0"/>
           </a:p>
           <a:p>
             <a:pPr marL="457200" lvl="0" indent="-342900" algn="l" rtl="0">
@@ -8982,10 +9087,9 @@
               <a:buChar char="●"/>
             </a:pPr>
             <a:r>
-              <a:rPr lang="en"/>
+              <a:rPr lang="en" dirty="0"/>
               <a:t>Machine Learning</a:t>
             </a:r>
-            <a:endParaRPr/>
           </a:p>
           <a:p>
             <a:pPr marL="457200" lvl="0" indent="-342900" algn="l" rtl="0">
@@ -8999,10 +9103,27 @@
               <a:buChar char="●"/>
             </a:pPr>
             <a:r>
-              <a:rPr lang="en"/>
-              <a:t>Tableau</a:t>
+              <a:rPr lang="en" dirty="0"/>
+              <a:t>Linear Regression</a:t>
             </a:r>
-            <a:endParaRPr/>
+            <a:endParaRPr dirty="0"/>
+          </a:p>
+          <a:p>
+            <a:pPr marL="457200" lvl="0" indent="-342900" algn="l" rtl="0">
+              <a:spcBef>
+                <a:spcPts val="0"/>
+              </a:spcBef>
+              <a:spcAft>
+                <a:spcPts val="0"/>
+              </a:spcAft>
+              <a:buSzPts val="1800"/>
+              <a:buChar char="●"/>
+            </a:pPr>
+            <a:r>
+              <a:rPr lang="en" dirty="0"/>
+              <a:t>Tableau - visualizations</a:t>
+            </a:r>
+            <a:endParaRPr dirty="0"/>
           </a:p>
         </p:txBody>
       </p:sp>
@@ -9067,7 +9188,7 @@
             </a:pPr>
             <a:r>
               <a:rPr lang="en" dirty="0"/>
-              <a:t>Machine Learning</a:t>
+              <a:t>Data Preparation</a:t>
             </a:r>
             <a:endParaRPr dirty="0"/>
           </a:p>
@@ -9187,8 +9308,8 @@
         </p:nvSpPr>
         <p:spPr>
           <a:xfrm>
-            <a:off x="1295400" y="1736200"/>
-            <a:ext cx="4267200" cy="307777"/>
+            <a:off x="533400" y="1223012"/>
+            <a:ext cx="4267200" cy="1015663"/>
           </a:xfrm>
           <a:prstGeom prst="rect">
             <a:avLst/>
@@ -9201,13 +9322,45 @@
           </a:bodyPr>
           <a:lstStyle/>
           <a:p>
+            <a:pPr marL="285750" indent="-285750">
+              <a:buFont typeface="Arial" panose="020B0604020202020204" pitchFamily="34" charset="0"/>
+              <a:buChar char="•"/>
+            </a:pPr>
             <a:r>
-              <a:rPr lang="en-US" dirty="0">
+              <a:rPr lang="en-US" sz="2000" dirty="0">
                 <a:solidFill>
                   <a:schemeClr val="tx1"/>
                 </a:solidFill>
               </a:rPr>
-              <a:t>Predictive Modeling</a:t>
+              <a:t>Selection</a:t>
+            </a:r>
+          </a:p>
+          <a:p>
+            <a:pPr marL="285750" indent="-285750">
+              <a:buFont typeface="Arial" panose="020B0604020202020204" pitchFamily="34" charset="0"/>
+              <a:buChar char="•"/>
+            </a:pPr>
+            <a:r>
+              <a:rPr lang="en-US" sz="2000" dirty="0">
+                <a:solidFill>
+                  <a:schemeClr val="tx1"/>
+                </a:solidFill>
+              </a:rPr>
+              <a:t>Transformation</a:t>
+            </a:r>
+          </a:p>
+          <a:p>
+            <a:pPr marL="285750" indent="-285750">
+              <a:buFont typeface="Arial" panose="020B0604020202020204" pitchFamily="34" charset="0"/>
+              <a:buChar char="•"/>
+            </a:pPr>
+            <a:r>
+              <a:rPr lang="en-US" sz="2000" dirty="0">
+                <a:solidFill>
+                  <a:schemeClr val="tx1"/>
+                </a:solidFill>
+              </a:rPr>
+              <a:t>Database</a:t>
             </a:r>
           </a:p>
         </p:txBody>
@@ -9221,6 +9374,221 @@
 </file>
 
 <file path=ppt/slides/slide7.xml><?xml version="1.0" encoding="utf-8"?>
+<p:sld xmlns:a="http://schemas.openxmlformats.org/drawingml/2006/main" xmlns:r="http://schemas.openxmlformats.org/officeDocument/2006/relationships" xmlns:p="http://schemas.openxmlformats.org/presentationml/2006/main">
+  <p:cSld>
+    <p:spTree>
+      <p:nvGrpSpPr>
+        <p:cNvPr id="1" name="Shape 175"/>
+        <p:cNvGrpSpPr/>
+        <p:nvPr/>
+      </p:nvGrpSpPr>
+      <p:grpSpPr>
+        <a:xfrm>
+          <a:off x="0" y="0"/>
+          <a:ext cx="0" cy="0"/>
+          <a:chOff x="0" y="0"/>
+          <a:chExt cx="0" cy="0"/>
+        </a:xfrm>
+      </p:grpSpPr>
+      <p:sp>
+        <p:nvSpPr>
+          <p:cNvPr id="177" name="Google Shape;177;p20"/>
+          <p:cNvSpPr txBox="1">
+            <a:spLocks noGrp="1"/>
+          </p:cNvSpPr>
+          <p:nvPr>
+            <p:ph type="title"/>
+          </p:nvPr>
+        </p:nvSpPr>
+        <p:spPr>
+          <a:xfrm>
+            <a:off x="311700" y="445025"/>
+            <a:ext cx="8520600" cy="572700"/>
+          </a:xfrm>
+          <a:prstGeom prst="rect">
+            <a:avLst/>
+          </a:prstGeom>
+        </p:spPr>
+        <p:txBody>
+          <a:bodyPr spcFirstLastPara="1" wrap="square" lIns="91425" tIns="91425" rIns="91425" bIns="91425" anchor="t" anchorCtr="0">
+            <a:noAutofit/>
+          </a:bodyPr>
+          <a:lstStyle/>
+          <a:p>
+            <a:pPr marL="0" lvl="0" indent="0" algn="l" rtl="0">
+              <a:spcBef>
+                <a:spcPts val="0"/>
+              </a:spcBef>
+              <a:spcAft>
+                <a:spcPts val="0"/>
+              </a:spcAft>
+              <a:buNone/>
+            </a:pPr>
+            <a:r>
+              <a:rPr lang="en" dirty="0"/>
+              <a:t>Machine Learning</a:t>
+            </a:r>
+            <a:endParaRPr dirty="0"/>
+          </a:p>
+        </p:txBody>
+      </p:sp>
+      <p:sp>
+        <p:nvSpPr>
+          <p:cNvPr id="181" name="Google Shape;181;p20"/>
+          <p:cNvSpPr txBox="1">
+            <a:spLocks noGrp="1"/>
+          </p:cNvSpPr>
+          <p:nvPr>
+            <p:ph type="body" idx="4294967295"/>
+          </p:nvPr>
+        </p:nvSpPr>
+        <p:spPr>
+          <a:xfrm>
+            <a:off x="3632950" y="1736200"/>
+            <a:ext cx="4474500" cy="457500"/>
+          </a:xfrm>
+          <a:prstGeom prst="rect">
+            <a:avLst/>
+          </a:prstGeom>
+        </p:spPr>
+        <p:txBody>
+          <a:bodyPr spcFirstLastPara="1" wrap="square" lIns="91425" tIns="91425" rIns="91425" bIns="91425" anchor="t" anchorCtr="0">
+            <a:noAutofit/>
+          </a:bodyPr>
+          <a:lstStyle/>
+          <a:p>
+            <a:pPr marL="0" lvl="0" indent="0" algn="l" rtl="0">
+              <a:spcBef>
+                <a:spcPts val="0"/>
+              </a:spcBef>
+              <a:spcAft>
+                <a:spcPts val="0"/>
+              </a:spcAft>
+              <a:buNone/>
+            </a:pPr>
+            <a:r>
+              <a:rPr lang="en" dirty="0">
+                <a:solidFill>
+                  <a:schemeClr val="lt1"/>
+                </a:solidFill>
+              </a:rPr>
+              <a:t>In-production services</a:t>
+            </a:r>
+            <a:endParaRPr dirty="0">
+              <a:solidFill>
+                <a:schemeClr val="lt1"/>
+              </a:solidFill>
+            </a:endParaRPr>
+          </a:p>
+        </p:txBody>
+      </p:sp>
+      <p:sp>
+        <p:nvSpPr>
+          <p:cNvPr id="188" name="Google Shape;188;p20"/>
+          <p:cNvSpPr txBox="1">
+            <a:spLocks noGrp="1"/>
+          </p:cNvSpPr>
+          <p:nvPr>
+            <p:ph type="body" idx="4294967295"/>
+          </p:nvPr>
+        </p:nvSpPr>
+        <p:spPr>
+          <a:xfrm>
+            <a:off x="4573325" y="2912300"/>
+            <a:ext cx="2568600" cy="457500"/>
+          </a:xfrm>
+          <a:prstGeom prst="rect">
+            <a:avLst/>
+          </a:prstGeom>
+        </p:spPr>
+        <p:txBody>
+          <a:bodyPr spcFirstLastPara="1" wrap="square" lIns="91425" tIns="91425" rIns="91425" bIns="91425" anchor="t" anchorCtr="0">
+            <a:noAutofit/>
+          </a:bodyPr>
+          <a:lstStyle/>
+          <a:p>
+            <a:pPr marL="0" lvl="0" indent="0" algn="l" rtl="0">
+              <a:spcBef>
+                <a:spcPts val="0"/>
+              </a:spcBef>
+              <a:spcAft>
+                <a:spcPts val="0"/>
+              </a:spcAft>
+              <a:buNone/>
+            </a:pPr>
+            <a:r>
+              <a:rPr lang="en" dirty="0">
+                <a:solidFill>
+                  <a:schemeClr val="lt1"/>
+                </a:solidFill>
+              </a:rPr>
+              <a:t>Advanced projects</a:t>
+            </a:r>
+            <a:endParaRPr dirty="0">
+              <a:solidFill>
+                <a:schemeClr val="lt1"/>
+              </a:solidFill>
+            </a:endParaRPr>
+          </a:p>
+        </p:txBody>
+      </p:sp>
+      <p:sp>
+        <p:nvSpPr>
+          <p:cNvPr id="2" name="TextBox 1">
+            <a:extLst>
+              <a:ext uri="{FF2B5EF4-FFF2-40B4-BE49-F238E27FC236}">
+                <a16:creationId xmlns:a16="http://schemas.microsoft.com/office/drawing/2014/main" id="{A876AB00-38EB-0A41-9B7A-3B83A347CF74}"/>
+              </a:ext>
+            </a:extLst>
+          </p:cNvPr>
+          <p:cNvSpPr txBox="1"/>
+          <p:nvPr/>
+        </p:nvSpPr>
+        <p:spPr>
+          <a:xfrm>
+            <a:off x="1295400" y="1736200"/>
+            <a:ext cx="4267200" cy="523220"/>
+          </a:xfrm>
+          <a:prstGeom prst="rect">
+            <a:avLst/>
+          </a:prstGeom>
+          <a:noFill/>
+        </p:spPr>
+        <p:txBody>
+          <a:bodyPr wrap="square" rtlCol="0">
+            <a:spAutoFit/>
+          </a:bodyPr>
+          <a:lstStyle/>
+          <a:p>
+            <a:pPr marL="285750" indent="-285750">
+              <a:buFont typeface="Arial" panose="020B0604020202020204" pitchFamily="34" charset="0"/>
+              <a:buChar char="•"/>
+            </a:pPr>
+            <a:r>
+              <a:rPr lang="en-US" dirty="0">
+                <a:solidFill>
+                  <a:schemeClr val="tx1"/>
+                </a:solidFill>
+              </a:rPr>
+              <a:t>Predictive Modeling – 2020 “should have been” vs. 2020 actual</a:t>
+            </a:r>
+          </a:p>
+        </p:txBody>
+      </p:sp>
+    </p:spTree>
+    <p:extLst>
+      <p:ext uri="{BB962C8B-B14F-4D97-AF65-F5344CB8AC3E}">
+        <p14:creationId xmlns:p14="http://schemas.microsoft.com/office/powerpoint/2010/main" val="4179607634"/>
+      </p:ext>
+    </p:extLst>
+  </p:cSld>
+  <p:clrMapOvr>
+    <a:masterClrMapping/>
+  </p:clrMapOvr>
+</p:sld>
+</file>
+
+<file path=ppt/slides/slide8.xml><?xml version="1.0" encoding="utf-8"?>
 <p:sld xmlns:a="http://schemas.openxmlformats.org/drawingml/2006/main" xmlns:r="http://schemas.openxmlformats.org/officeDocument/2006/relationships" xmlns:p="http://schemas.openxmlformats.org/presentationml/2006/main">
   <p:cSld>
     <p:spTree>
@@ -9319,8 +9687,54 @@
                   <a:schemeClr val="dk1"/>
                 </a:solidFill>
               </a:rPr>
-              <a:t>Findings</a:t>
+              <a:t>2020 ML model vs. 2020 actual (box &amp; whisker)</a:t>
             </a:r>
+          </a:p>
+          <a:p>
+            <a:pPr marL="0" lvl="0" indent="0" algn="l" rtl="0">
+              <a:spcBef>
+                <a:spcPts val="0"/>
+              </a:spcBef>
+              <a:spcAft>
+                <a:spcPts val="0"/>
+              </a:spcAft>
+              <a:buNone/>
+            </a:pPr>
+            <a:r>
+              <a:rPr lang="en" sz="2100" b="1" dirty="0">
+                <a:solidFill>
+                  <a:schemeClr val="dk1"/>
+                </a:solidFill>
+              </a:rPr>
+              <a:t>COVID-19 cases (heatmap) with real estate (heatmap)</a:t>
+            </a:r>
+          </a:p>
+          <a:p>
+            <a:pPr marL="0" lvl="0" indent="0" algn="l" rtl="0">
+              <a:spcBef>
+                <a:spcPts val="0"/>
+              </a:spcBef>
+              <a:spcAft>
+                <a:spcPts val="0"/>
+              </a:spcAft>
+              <a:buNone/>
+            </a:pPr>
+            <a:endParaRPr lang="en" sz="2100" b="1" dirty="0">
+              <a:solidFill>
+                <a:schemeClr val="dk1"/>
+              </a:solidFill>
+            </a:endParaRPr>
+          </a:p>
+          <a:p>
+            <a:pPr marL="0" lvl="0" indent="0" algn="l" rtl="0">
+              <a:spcBef>
+                <a:spcPts val="0"/>
+              </a:spcBef>
+              <a:spcAft>
+                <a:spcPts val="0"/>
+              </a:spcAft>
+              <a:buNone/>
+            </a:pPr>
             <a:endParaRPr sz="2100" b="1" dirty="0">
               <a:solidFill>
                 <a:schemeClr val="dk1"/>
@@ -9708,7 +10122,7 @@
 </p:sld>
 </file>
 
-<file path=ppt/slides/slide8.xml><?xml version="1.0" encoding="utf-8"?>
+<file path=ppt/slides/slide9.xml><?xml version="1.0" encoding="utf-8"?>
 <p:sld xmlns:a="http://schemas.openxmlformats.org/drawingml/2006/main" xmlns:r="http://schemas.openxmlformats.org/officeDocument/2006/relationships" xmlns:p="http://schemas.openxmlformats.org/presentationml/2006/main">
   <p:cSld>
     <p:spTree>

--- a/PresentationSlides.pptx
+++ b/PresentationSlides.pptx
@@ -916,7 +916,7 @@
               </a:spcAft>
               <a:buNone/>
             </a:pPr>
-            <a:endParaRPr/>
+            <a:endParaRPr dirty="0"/>
           </a:p>
         </p:txBody>
       </p:sp>
@@ -7183,14 +7183,14 @@
               <a:buNone/>
             </a:pPr>
             <a:r>
-              <a:rPr lang="en">
+              <a:rPr lang="en" dirty="0">
                 <a:solidFill>
                   <a:schemeClr val="lt1"/>
                 </a:solidFill>
               </a:rPr>
               <a:t>The Team</a:t>
             </a:r>
-            <a:endParaRPr>
+            <a:endParaRPr dirty="0">
               <a:solidFill>
                 <a:schemeClr val="lt1"/>
               </a:solidFill>
@@ -8025,6 +8025,121 @@
               </a:rPr>
               <a:t>Angela Silveira</a:t>
             </a:r>
+          </a:p>
+        </p:txBody>
+      </p:sp>
+      <p:sp>
+        <p:nvSpPr>
+          <p:cNvPr id="2" name="TextBox 1">
+            <a:extLst>
+              <a:ext uri="{FF2B5EF4-FFF2-40B4-BE49-F238E27FC236}">
+                <a16:creationId xmlns:a16="http://schemas.microsoft.com/office/drawing/2014/main" id="{5EC128D0-DC0C-714C-9B22-F82DDFE74C1C}"/>
+              </a:ext>
+            </a:extLst>
+          </p:cNvPr>
+          <p:cNvSpPr txBox="1"/>
+          <p:nvPr/>
+        </p:nvSpPr>
+        <p:spPr>
+          <a:xfrm>
+            <a:off x="228600" y="3922299"/>
+            <a:ext cx="8686800" cy="1169551"/>
+          </a:xfrm>
+          <a:prstGeom prst="rect">
+            <a:avLst/>
+          </a:prstGeom>
+          <a:noFill/>
+        </p:spPr>
+        <p:txBody>
+          <a:bodyPr wrap="square" rtlCol="0">
+            <a:spAutoFit/>
+          </a:bodyPr>
+          <a:lstStyle/>
+          <a:p>
+            <a:pPr lvl="0"/>
+            <a:r>
+              <a:rPr lang="en-US" dirty="0">
+                <a:solidFill>
+                  <a:schemeClr val="bg1">
+                    <a:lumMod val="40000"/>
+                    <a:lumOff val="60000"/>
+                  </a:schemeClr>
+                </a:solidFill>
+              </a:rPr>
+              <a:t>How we chose approached this project:</a:t>
+            </a:r>
+          </a:p>
+          <a:p>
+            <a:pPr marL="171450" lvl="0" indent="-171450">
+              <a:buFontTx/>
+              <a:buChar char="-"/>
+            </a:pPr>
+            <a:r>
+              <a:rPr lang="en-US">
+                <a:solidFill>
+                  <a:schemeClr val="bg1">
+                    <a:lumMod val="40000"/>
+                    <a:lumOff val="60000"/>
+                  </a:schemeClr>
+                </a:solidFill>
+              </a:rPr>
+              <a:t>Multiple ideas </a:t>
+            </a:r>
+            <a:r>
+              <a:rPr lang="en-US" dirty="0">
+                <a:solidFill>
+                  <a:schemeClr val="bg1">
+                    <a:lumMod val="40000"/>
+                    <a:lumOff val="60000"/>
+                  </a:schemeClr>
+                </a:solidFill>
+              </a:rPr>
+              <a:t>identified</a:t>
+            </a:r>
+          </a:p>
+          <a:p>
+            <a:pPr marL="171450" lvl="0" indent="-171450">
+              <a:buFontTx/>
+              <a:buChar char="-"/>
+            </a:pPr>
+            <a:r>
+              <a:rPr lang="en-US" dirty="0">
+                <a:solidFill>
+                  <a:schemeClr val="bg1">
+                    <a:lumMod val="40000"/>
+                    <a:lumOff val="60000"/>
+                  </a:schemeClr>
+                </a:solidFill>
+              </a:rPr>
+              <a:t>Reviewed data available for each idea - some were ruled out as not being viable options</a:t>
+            </a:r>
+          </a:p>
+          <a:p>
+            <a:pPr marL="171450" lvl="0" indent="-171450">
+              <a:buFontTx/>
+              <a:buChar char="-"/>
+            </a:pPr>
+            <a:r>
+              <a:rPr lang="en-US" dirty="0">
+                <a:solidFill>
+                  <a:schemeClr val="bg1">
+                    <a:lumMod val="40000"/>
+                    <a:lumOff val="60000"/>
+                  </a:schemeClr>
+                </a:solidFill>
+              </a:rPr>
+              <a:t>Two datasets emerged as being robust &amp; relevant – COVID-19 and home sales</a:t>
+            </a:r>
+          </a:p>
+          <a:p>
+            <a:endParaRPr lang="en-US" dirty="0">
+              <a:solidFill>
+                <a:schemeClr val="bg1">
+                  <a:lumMod val="40000"/>
+                  <a:lumOff val="60000"/>
+                </a:schemeClr>
+              </a:solidFill>
+            </a:endParaRPr>
           </a:p>
         </p:txBody>
       </p:sp>
